--- a/assets/p3i.pptx
+++ b/assets/p3i.pptx
@@ -5,10 +5,11 @@
     <p:sldMasterId id="2147483648" r:id="rId1"/>
   </p:sldMasterIdLst>
   <p:notesMasterIdLst>
-    <p:notesMasterId r:id="rId3"/>
+    <p:notesMasterId r:id="rId4"/>
   </p:notesMasterIdLst>
   <p:sldIdLst>
     <p:sldId id="334" r:id="rId2"/>
+    <p:sldId id="335" r:id="rId3"/>
   </p:sldIdLst>
   <p:sldSz cx="12192000" cy="6858000"/>
   <p:notesSz cx="6858000" cy="9144000"/>
@@ -197,7 +198,7 @@
           <a:p>
             <a:fld id="{180BC91A-6B50-CC47-9273-FB1F71926D62}" type="datetimeFigureOut">
               <a:rPr lang="en-US" smtClean="0"/>
-              <a:t>4/15/20</a:t>
+              <a:t>5/23/20</a:t>
             </a:fld>
             <a:endParaRPr lang="en-US"/>
           </a:p>
@@ -593,7 +594,7 @@
           <a:p>
             <a:fld id="{5838CCB7-BA60-324B-A1BE-4D86AD84160D}" type="datetimeFigureOut">
               <a:rPr lang="en-US" smtClean="0"/>
-              <a:t>4/15/20</a:t>
+              <a:t>5/23/20</a:t>
             </a:fld>
             <a:endParaRPr lang="en-US"/>
           </a:p>
@@ -761,7 +762,7 @@
           <a:p>
             <a:fld id="{5838CCB7-BA60-324B-A1BE-4D86AD84160D}" type="datetimeFigureOut">
               <a:rPr lang="en-US" smtClean="0"/>
-              <a:t>4/15/20</a:t>
+              <a:t>5/23/20</a:t>
             </a:fld>
             <a:endParaRPr lang="en-US"/>
           </a:p>
@@ -939,7 +940,7 @@
           <a:p>
             <a:fld id="{5838CCB7-BA60-324B-A1BE-4D86AD84160D}" type="datetimeFigureOut">
               <a:rPr lang="en-US" smtClean="0"/>
-              <a:t>4/15/20</a:t>
+              <a:t>5/23/20</a:t>
             </a:fld>
             <a:endParaRPr lang="en-US"/>
           </a:p>
@@ -1107,7 +1108,7 @@
           <a:p>
             <a:fld id="{5838CCB7-BA60-324B-A1BE-4D86AD84160D}" type="datetimeFigureOut">
               <a:rPr lang="en-US" smtClean="0"/>
-              <a:t>4/15/20</a:t>
+              <a:t>5/23/20</a:t>
             </a:fld>
             <a:endParaRPr lang="en-US"/>
           </a:p>
@@ -1352,7 +1353,7 @@
           <a:p>
             <a:fld id="{5838CCB7-BA60-324B-A1BE-4D86AD84160D}" type="datetimeFigureOut">
               <a:rPr lang="en-US" smtClean="0"/>
-              <a:t>4/15/20</a:t>
+              <a:t>5/23/20</a:t>
             </a:fld>
             <a:endParaRPr lang="en-US"/>
           </a:p>
@@ -1581,7 +1582,7 @@
           <a:p>
             <a:fld id="{5838CCB7-BA60-324B-A1BE-4D86AD84160D}" type="datetimeFigureOut">
               <a:rPr lang="en-US" smtClean="0"/>
-              <a:t>4/15/20</a:t>
+              <a:t>5/23/20</a:t>
             </a:fld>
             <a:endParaRPr lang="en-US"/>
           </a:p>
@@ -1945,7 +1946,7 @@
           <a:p>
             <a:fld id="{5838CCB7-BA60-324B-A1BE-4D86AD84160D}" type="datetimeFigureOut">
               <a:rPr lang="en-US" smtClean="0"/>
-              <a:t>4/15/20</a:t>
+              <a:t>5/23/20</a:t>
             </a:fld>
             <a:endParaRPr lang="en-US"/>
           </a:p>
@@ -2062,7 +2063,7 @@
           <a:p>
             <a:fld id="{5838CCB7-BA60-324B-A1BE-4D86AD84160D}" type="datetimeFigureOut">
               <a:rPr lang="en-US" smtClean="0"/>
-              <a:t>4/15/20</a:t>
+              <a:t>5/23/20</a:t>
             </a:fld>
             <a:endParaRPr lang="en-US"/>
           </a:p>
@@ -2157,7 +2158,7 @@
           <a:p>
             <a:fld id="{5838CCB7-BA60-324B-A1BE-4D86AD84160D}" type="datetimeFigureOut">
               <a:rPr lang="en-US" smtClean="0"/>
-              <a:t>4/15/20</a:t>
+              <a:t>5/23/20</a:t>
             </a:fld>
             <a:endParaRPr lang="en-US"/>
           </a:p>
@@ -2432,7 +2433,7 @@
           <a:p>
             <a:fld id="{5838CCB7-BA60-324B-A1BE-4D86AD84160D}" type="datetimeFigureOut">
               <a:rPr lang="en-US" smtClean="0"/>
-              <a:t>4/15/20</a:t>
+              <a:t>5/23/20</a:t>
             </a:fld>
             <a:endParaRPr lang="en-US"/>
           </a:p>
@@ -2684,7 +2685,7 @@
           <a:p>
             <a:fld id="{5838CCB7-BA60-324B-A1BE-4D86AD84160D}" type="datetimeFigureOut">
               <a:rPr lang="en-US" smtClean="0"/>
-              <a:t>4/15/20</a:t>
+              <a:t>5/23/20</a:t>
             </a:fld>
             <a:endParaRPr lang="en-US"/>
           </a:p>
@@ -2895,7 +2896,7 @@
           <a:p>
             <a:fld id="{5838CCB7-BA60-324B-A1BE-4D86AD84160D}" type="datetimeFigureOut">
               <a:rPr lang="en-US" smtClean="0"/>
-              <a:t>4/15/20</a:t>
+              <a:t>5/23/20</a:t>
             </a:fld>
             <a:endParaRPr lang="en-US"/>
           </a:p>
@@ -3300,6 +3301,281 @@
           <a:chExt cx="0" cy="0"/>
         </a:xfrm>
       </p:grpSpPr>
+      <p:sp>
+        <p:nvSpPr>
+          <p:cNvPr id="3" name="Rectangle 2">
+            <a:extLst>
+              <a:ext uri="{FF2B5EF4-FFF2-40B4-BE49-F238E27FC236}">
+                <a16:creationId xmlns:a16="http://schemas.microsoft.com/office/drawing/2014/main" id="{1ABA5D6E-CE39-B142-87A7-14C6AE85911E}"/>
+              </a:ext>
+            </a:extLst>
+          </p:cNvPr>
+          <p:cNvSpPr/>
+          <p:nvPr/>
+        </p:nvSpPr>
+        <p:spPr>
+          <a:xfrm>
+            <a:off x="5210530" y="1057402"/>
+            <a:ext cx="2450563" cy="2095500"/>
+          </a:xfrm>
+          <a:prstGeom prst="rect">
+            <a:avLst/>
+          </a:prstGeom>
+          <a:solidFill>
+            <a:schemeClr val="bg1"/>
+          </a:solidFill>
+          <a:ln>
+            <a:noFill/>
+          </a:ln>
+        </p:spPr>
+        <p:style>
+          <a:lnRef idx="2">
+            <a:schemeClr val="accent1">
+              <a:shade val="50000"/>
+            </a:schemeClr>
+          </a:lnRef>
+          <a:fillRef idx="1">
+            <a:schemeClr val="accent1"/>
+          </a:fillRef>
+          <a:effectRef idx="0">
+            <a:schemeClr val="accent1"/>
+          </a:effectRef>
+          <a:fontRef idx="minor">
+            <a:schemeClr val="lt1"/>
+          </a:fontRef>
+        </p:style>
+        <p:txBody>
+          <a:bodyPr rtlCol="0" anchor="ctr"/>
+          <a:lstStyle/>
+          <a:p>
+            <a:pPr algn="ctr"/>
+            <a:endParaRPr lang="en-US"/>
+          </a:p>
+        </p:txBody>
+      </p:sp>
+      <p:pic>
+        <p:nvPicPr>
+          <p:cNvPr id="8" name="Picture 7">
+            <a:extLst>
+              <a:ext uri="{FF2B5EF4-FFF2-40B4-BE49-F238E27FC236}">
+                <a16:creationId xmlns:a16="http://schemas.microsoft.com/office/drawing/2014/main" id="{DFC3984B-3930-0442-BFC2-BF865C156267}"/>
+              </a:ext>
+            </a:extLst>
+          </p:cNvPr>
+          <p:cNvPicPr>
+            <a:picLocks noChangeAspect="1"/>
+          </p:cNvPicPr>
+          <p:nvPr/>
+        </p:nvPicPr>
+        <p:blipFill>
+          <a:blip r:embed="rId2"/>
+          <a:stretch>
+            <a:fillRect/>
+          </a:stretch>
+        </p:blipFill>
+        <p:spPr>
+          <a:xfrm>
+            <a:off x="5210531" y="1158946"/>
+            <a:ext cx="2450563" cy="1861187"/>
+          </a:xfrm>
+          <a:prstGeom prst="rect">
+            <a:avLst/>
+          </a:prstGeom>
+        </p:spPr>
+      </p:pic>
+      <p:sp>
+        <p:nvSpPr>
+          <p:cNvPr id="7" name="Rectangle 6">
+            <a:extLst>
+              <a:ext uri="{FF2B5EF4-FFF2-40B4-BE49-F238E27FC236}">
+                <a16:creationId xmlns:a16="http://schemas.microsoft.com/office/drawing/2014/main" id="{C7C92285-BD6D-F243-A6B7-F0DA2388D735}"/>
+              </a:ext>
+            </a:extLst>
+          </p:cNvPr>
+          <p:cNvSpPr/>
+          <p:nvPr/>
+        </p:nvSpPr>
+        <p:spPr>
+          <a:xfrm>
+            <a:off x="1079029" y="3662815"/>
+            <a:ext cx="2450563" cy="2095500"/>
+          </a:xfrm>
+          <a:prstGeom prst="rect">
+            <a:avLst/>
+          </a:prstGeom>
+          <a:solidFill>
+            <a:schemeClr val="bg1"/>
+          </a:solidFill>
+          <a:ln>
+            <a:noFill/>
+          </a:ln>
+        </p:spPr>
+        <p:style>
+          <a:lnRef idx="2">
+            <a:schemeClr val="accent1">
+              <a:shade val="50000"/>
+            </a:schemeClr>
+          </a:lnRef>
+          <a:fillRef idx="1">
+            <a:schemeClr val="accent1"/>
+          </a:fillRef>
+          <a:effectRef idx="0">
+            <a:schemeClr val="accent1"/>
+          </a:effectRef>
+          <a:fontRef idx="minor">
+            <a:schemeClr val="lt1"/>
+          </a:fontRef>
+        </p:style>
+        <p:txBody>
+          <a:bodyPr rtlCol="0" anchor="ctr"/>
+          <a:lstStyle/>
+          <a:p>
+            <a:pPr algn="ctr"/>
+            <a:endParaRPr lang="en-US"/>
+          </a:p>
+        </p:txBody>
+      </p:sp>
+      <p:pic>
+        <p:nvPicPr>
+          <p:cNvPr id="11" name="Picture 10">
+            <a:extLst>
+              <a:ext uri="{FF2B5EF4-FFF2-40B4-BE49-F238E27FC236}">
+                <a16:creationId xmlns:a16="http://schemas.microsoft.com/office/drawing/2014/main" id="{76CFC4EB-02BF-BE47-A595-AE8095EAE896}"/>
+              </a:ext>
+            </a:extLst>
+          </p:cNvPr>
+          <p:cNvPicPr>
+            <a:picLocks noChangeAspect="1"/>
+          </p:cNvPicPr>
+          <p:nvPr/>
+        </p:nvPicPr>
+        <p:blipFill rotWithShape="1">
+          <a:blip r:embed="rId3">
+            <a:alphaModFix/>
+          </a:blip>
+          <a:srcRect r="72225"/>
+          <a:stretch/>
+        </p:blipFill>
+        <p:spPr>
+          <a:xfrm>
+            <a:off x="1250771" y="3662816"/>
+            <a:ext cx="2391556" cy="2095500"/>
+          </a:xfrm>
+          <a:prstGeom prst="rect">
+            <a:avLst/>
+          </a:prstGeom>
+        </p:spPr>
+      </p:pic>
+      <p:sp>
+        <p:nvSpPr>
+          <p:cNvPr id="12" name="TextBox 11">
+            <a:extLst>
+              <a:ext uri="{FF2B5EF4-FFF2-40B4-BE49-F238E27FC236}">
+                <a16:creationId xmlns:a16="http://schemas.microsoft.com/office/drawing/2014/main" id="{02984725-5A82-6548-BA66-A7AEE6AFA5A8}"/>
+              </a:ext>
+            </a:extLst>
+          </p:cNvPr>
+          <p:cNvSpPr txBox="1"/>
+          <p:nvPr/>
+        </p:nvSpPr>
+        <p:spPr>
+          <a:xfrm>
+            <a:off x="5210529" y="1182662"/>
+            <a:ext cx="885471" cy="369332"/>
+          </a:xfrm>
+          <a:prstGeom prst="rect">
+            <a:avLst/>
+          </a:prstGeom>
+          <a:noFill/>
+        </p:spPr>
+        <p:txBody>
+          <a:bodyPr wrap="square" rtlCol="0">
+            <a:spAutoFit/>
+          </a:bodyPr>
+          <a:lstStyle/>
+          <a:p>
+            <a:pPr algn="ctr"/>
+            <a:r>
+              <a:rPr lang="en-US" dirty="0">
+                <a:latin typeface="Open Sans" panose="020B0606030504020204" pitchFamily="34" charset="0"/>
+                <a:ea typeface="Open Sans" panose="020B0606030504020204" pitchFamily="34" charset="0"/>
+                <a:cs typeface="Open Sans" panose="020B0606030504020204" pitchFamily="34" charset="0"/>
+              </a:rPr>
+              <a:t>Input</a:t>
+            </a:r>
+          </a:p>
+        </p:txBody>
+      </p:sp>
+      <p:sp>
+        <p:nvSpPr>
+          <p:cNvPr id="13" name="TextBox 12">
+            <a:extLst>
+              <a:ext uri="{FF2B5EF4-FFF2-40B4-BE49-F238E27FC236}">
+                <a16:creationId xmlns:a16="http://schemas.microsoft.com/office/drawing/2014/main" id="{FE2CB4B8-6001-9245-A8DA-4D5A3A7A3AFB}"/>
+              </a:ext>
+            </a:extLst>
+          </p:cNvPr>
+          <p:cNvSpPr txBox="1"/>
+          <p:nvPr/>
+        </p:nvSpPr>
+        <p:spPr>
+          <a:xfrm>
+            <a:off x="1079029" y="3788074"/>
+            <a:ext cx="1050396" cy="369332"/>
+          </a:xfrm>
+          <a:prstGeom prst="rect">
+            <a:avLst/>
+          </a:prstGeom>
+          <a:noFill/>
+        </p:spPr>
+        <p:txBody>
+          <a:bodyPr wrap="square" rtlCol="0">
+            <a:spAutoFit/>
+          </a:bodyPr>
+          <a:lstStyle/>
+          <a:p>
+            <a:pPr algn="ctr"/>
+            <a:r>
+              <a:rPr lang="en-US" dirty="0">
+                <a:latin typeface="Open Sans" panose="020B0606030504020204" pitchFamily="34" charset="0"/>
+                <a:ea typeface="Open Sans" panose="020B0606030504020204" pitchFamily="34" charset="0"/>
+                <a:cs typeface="Open Sans" panose="020B0606030504020204" pitchFamily="34" charset="0"/>
+              </a:rPr>
+              <a:t>Output</a:t>
+            </a:r>
+          </a:p>
+        </p:txBody>
+      </p:sp>
+    </p:spTree>
+    <p:extLst>
+      <p:ext uri="{BB962C8B-B14F-4D97-AF65-F5344CB8AC3E}">
+        <p14:creationId xmlns:p14="http://schemas.microsoft.com/office/powerpoint/2010/main" val="1774911545"/>
+      </p:ext>
+    </p:extLst>
+  </p:cSld>
+  <p:clrMapOvr>
+    <a:masterClrMapping/>
+  </p:clrMapOvr>
+</p:sld>
+</file>
+
+<file path=ppt/slides/slide2.xml><?xml version="1.0" encoding="utf-8"?>
+<p:sld xmlns:a="http://schemas.openxmlformats.org/drawingml/2006/main" xmlns:r="http://schemas.openxmlformats.org/officeDocument/2006/relationships" xmlns:p="http://schemas.openxmlformats.org/presentationml/2006/main">
+  <p:cSld>
+    <p:spTree>
+      <p:nvGrpSpPr>
+        <p:cNvPr id="1" name=""/>
+        <p:cNvGrpSpPr/>
+        <p:nvPr/>
+      </p:nvGrpSpPr>
+      <p:grpSpPr>
+        <a:xfrm>
+          <a:off x="0" y="0"/>
+          <a:ext cx="0" cy="0"/>
+          <a:chOff x="0" y="0"/>
+          <a:chExt cx="0" cy="0"/>
+        </a:xfrm>
+      </p:grpSpPr>
       <p:pic>
         <p:nvPicPr>
           <p:cNvPr id="2" name="Picture 1">
@@ -3343,8 +3619,8 @@
         </p:nvSpPr>
         <p:spPr>
           <a:xfrm>
-            <a:off x="4318345" y="3105939"/>
-            <a:ext cx="4012637" cy="461665"/>
+            <a:off x="4538505" y="3150480"/>
+            <a:ext cx="3619249" cy="369332"/>
           </a:xfrm>
           <a:prstGeom prst="rect">
             <a:avLst/>
@@ -3352,19 +3628,19 @@
           <a:noFill/>
         </p:spPr>
         <p:txBody>
-          <a:bodyPr wrap="none" rtlCol="0">
+          <a:bodyPr wrap="square" rtlCol="0">
             <a:spAutoFit/>
           </a:bodyPr>
           <a:lstStyle/>
           <a:p>
             <a:pPr algn="ctr"/>
             <a:r>
-              <a:rPr lang="en-US" sz="2400" b="1" dirty="0">
-                <a:latin typeface="Google Sans" panose="020B0503030502040204" pitchFamily="34" charset="0"/>
-                <a:ea typeface="CMU Bright" panose="02000603000000000000" pitchFamily="2" charset="0"/>
-                <a:cs typeface="CMU Bright" panose="02000603000000000000" pitchFamily="2" charset="0"/>
+              <a:rPr lang="en-US" dirty="0">
+                <a:latin typeface="Open Sans" panose="020B0606030504020204" pitchFamily="34" charset="0"/>
+                <a:ea typeface="Open Sans" panose="020B0606030504020204" pitchFamily="34" charset="0"/>
+                <a:cs typeface="Open Sans" panose="020B0606030504020204" pitchFamily="34" charset="0"/>
               </a:rPr>
-              <a:t>Perspective      Regularity</a:t>
+              <a:t>Perspective             Regularity</a:t>
             </a:r>
           </a:p>
         </p:txBody>
@@ -3421,7 +3697,7 @@
           <a:prstGeom prst="straightConnector1">
             <a:avLst/>
           </a:prstGeom>
-          <a:ln w="38100">
+          <a:ln w="19050">
             <a:solidFill>
               <a:schemeClr val="tx1"/>
             </a:solidFill>
@@ -3446,7 +3722,7 @@
     </p:spTree>
     <p:extLst>
       <p:ext uri="{BB962C8B-B14F-4D97-AF65-F5344CB8AC3E}">
-        <p14:creationId xmlns:p14="http://schemas.microsoft.com/office/powerpoint/2010/main" val="1774911545"/>
+        <p14:creationId xmlns:p14="http://schemas.microsoft.com/office/powerpoint/2010/main" val="207387985"/>
       </p:ext>
     </p:extLst>
   </p:cSld>
